--- a/LV for Advanced Apps - 10 Keys to Success - .pptx
+++ b/LV for Advanced Apps - 10 Keys to Success - .pptx
@@ -40222,8 +40222,12 @@
           <a:lstStyle/>
           <a:p>
             <a:r>
+              <a:rPr lang="en-US" smtClean="0"/>
+              <a:t>2013 </a:t>
+            </a:r>
+            <a:r>
               <a:rPr lang="en-US" dirty="0" smtClean="0"/>
-              <a:t>2012 Queued Message Handler – Effectively Extends Producer/Consumer </a:t>
+              <a:t>Queued Message Handler – Effectively Extends Producer/Consumer </a:t>
             </a:r>
             <a:endParaRPr lang="en-US" dirty="0"/>
           </a:p>
@@ -40310,34 +40314,26 @@
       </p:sp>
       <p:pic>
         <p:nvPicPr>
-          <p:cNvPr id="6149" name="Picture 5"/>
+          <p:cNvPr id="3" name="Picture 2"/>
           <p:cNvPicPr>
-            <a:picLocks noChangeAspect="1" noChangeArrowheads="1"/>
+            <a:picLocks noChangeAspect="1"/>
           </p:cNvPicPr>
           <p:nvPr/>
         </p:nvPicPr>
         <p:blipFill>
-          <a:blip r:embed="rId2" cstate="print"/>
-          <a:srcRect/>
+          <a:blip r:embed="rId2"/>
           <a:stretch>
             <a:fillRect/>
           </a:stretch>
         </p:blipFill>
-        <p:spPr bwMode="auto">
-          <a:xfrm>
-            <a:off x="76200" y="1271588"/>
-            <a:ext cx="6987345" cy="4672012"/>
+        <p:spPr>
+          <a:xfrm>
+            <a:off x="-228600" y="1295400"/>
+            <a:ext cx="7326704" cy="4454573"/>
           </a:xfrm>
           <a:prstGeom prst="rect">
             <a:avLst/>
           </a:prstGeom>
-          <a:noFill/>
-          <a:ln w="9525">
-            <a:noFill/>
-            <a:miter lim="800000"/>
-            <a:headEnd/>
-            <a:tailEnd/>
-          </a:ln>
         </p:spPr>
       </p:pic>
     </p:spTree>

--- a/LV for Advanced Apps - 10 Keys to Success - .pptx
+++ b/LV for Advanced Apps - 10 Keys to Success - .pptx
@@ -40222,7 +40222,7 @@
           <a:lstStyle/>
           <a:p>
             <a:r>
-              <a:rPr lang="en-US" smtClean="0"/>
+              <a:rPr lang="en-US" dirty="0" smtClean="0"/>
               <a:t>2013 </a:t>
             </a:r>
             <a:r>
@@ -41433,6 +41433,13 @@
   <p:clrMapOvr>
     <a:masterClrMapping/>
   </p:clrMapOvr>
+  <p:timing>
+    <p:tnLst>
+      <p:par>
+        <p:cTn xmlns:p14="http://schemas.microsoft.com/office/powerpoint/2010/main" id="1" dur="indefinite" restart="never" nodeType="tmRoot"/>
+      </p:par>
+    </p:tnLst>
+  </p:timing>
 </p:sld>
 </file>
 
